--- a/Later/Spring/6_Spring_Auto_Component_Scanning/12/Spring Auto-Wiring Beans with @Resource annotation.pptx
+++ b/Later/Spring/6_Spring_Auto_Component_Scanning/12/Spring Auto-Wiring Beans with @Resource annotation.pptx
@@ -4045,11 +4045,7 @@
             </a:r>
             <a:r>
               <a:rPr lang="en-US" sz="1200" dirty="0" smtClean="0"/>
-              <a:t>@Resource </a:t>
-            </a:r>
-            <a:r>
-              <a:rPr lang="en-US" sz="1200" dirty="0" smtClean="0"/>
-              <a:t>annotation</a:t>
+              <a:t>@Resource annotation</a:t>
             </a:r>
             <a:endParaRPr lang="en-US" sz="1200" dirty="0"/>
           </a:p>
@@ -4078,7 +4074,7 @@
         </p:blipFill>
         <p:spPr bwMode="auto">
           <a:xfrm>
-            <a:off x="5105400" y="1923650"/>
+            <a:off x="5105400" y="2286000"/>
             <a:ext cx="3725862" cy="2676925"/>
           </a:xfrm>
           <a:prstGeom prst="rect">
@@ -4109,8 +4105,8 @@
         </p:nvCxnSpPr>
         <p:spPr>
           <a:xfrm flipH="1">
-            <a:off x="1371600" y="1524000"/>
-            <a:ext cx="3733800" cy="762000"/>
+            <a:off x="1295400" y="1524000"/>
+            <a:ext cx="3810000" cy="762000"/>
           </a:xfrm>
           <a:prstGeom prst="straightConnector1">
             <a:avLst/>
@@ -4142,8 +4138,8 @@
         </p:nvSpPr>
         <p:spPr>
           <a:xfrm>
-            <a:off x="5105400" y="465138"/>
-            <a:ext cx="3962400" cy="1363662"/>
+            <a:off x="4953000" y="465138"/>
+            <a:ext cx="4114800" cy="1668462"/>
           </a:xfrm>
           <a:prstGeom prst="rect">
             <a:avLst/>
@@ -4186,20 +4182,21 @@
             </a:r>
             <a:r>
               <a:rPr lang="en-US" sz="1200" dirty="0" smtClean="0"/>
-              <a:t> </a:t>
+              <a:t> annotation </a:t>
+            </a:r>
+            <a:r>
+              <a:rPr lang="en-US" sz="1200" dirty="0"/>
+              <a:t>is auto wire the bean by matching </a:t>
             </a:r>
             <a:r>
               <a:rPr lang="en-US" sz="1200" dirty="0" smtClean="0"/>
-              <a:t>annotation </a:t>
-            </a:r>
-            <a:r>
-              <a:rPr lang="en-US" sz="1200" dirty="0"/>
-              <a:t>is auto wire the bean by matching data type</a:t>
+              <a:t>name</a:t>
             </a:r>
             <a:r>
               <a:rPr lang="en-US" sz="1200" dirty="0" smtClean="0"/>
               <a:t>.</a:t>
             </a:r>
+            <a:endParaRPr lang="en-US" sz="1200" dirty="0" smtClean="0"/>
           </a:p>
           <a:p>
             <a:pPr marL="171450" indent="-171450">
@@ -4239,7 +4236,44 @@
                   <a:srgbClr val="FF0000"/>
                 </a:solidFill>
               </a:rPr>
-              <a:t>Resource</a:t>
+              <a:t>Resource </a:t>
+            </a:r>
+            <a:r>
+              <a:rPr lang="en-US" sz="1200" dirty="0"/>
+              <a:t>annotation to auto wire bean on the setter method, constructor or a field. Moreover, it can autowired property in a particular bean</a:t>
+            </a:r>
+            <a:r>
+              <a:rPr lang="en-US" sz="1200" dirty="0" smtClean="0"/>
+              <a:t>.</a:t>
+            </a:r>
+          </a:p>
+          <a:p>
+            <a:pPr marL="171450" indent="-171450">
+              <a:buFont typeface="Wingdings" pitchFamily="2" charset="2"/>
+              <a:buChar char="ü"/>
+            </a:pPr>
+            <a:endParaRPr lang="en-US" sz="1200" dirty="0"/>
+          </a:p>
+          <a:p>
+            <a:pPr marL="171450" indent="-171450">
+              <a:buFont typeface="Wingdings" pitchFamily="2" charset="2"/>
+              <a:buChar char="ü"/>
+            </a:pPr>
+            <a:r>
+              <a:rPr lang="en-US" sz="1200" dirty="0"/>
+              <a:t>The </a:t>
+            </a:r>
+            <a:r>
+              <a:rPr lang="en-US" sz="1200" i="1" dirty="0">
+                <a:solidFill>
+                  <a:srgbClr val="FF0000"/>
+                </a:solidFill>
+              </a:rPr>
+              <a:t>@Resource</a:t>
+            </a:r>
+            <a:r>
+              <a:rPr lang="en-US" sz="1200" dirty="0"/>
+              <a:t> annotation is part of the </a:t>
             </a:r>
             <a:r>
               <a:rPr lang="en-US" sz="1200" dirty="0">
@@ -4247,12 +4281,13 @@
                   <a:srgbClr val="FF0000"/>
                 </a:solidFill>
               </a:rPr>
-              <a:t> </a:t>
+              <a:t>JSR-250</a:t>
             </a:r>
             <a:r>
               <a:rPr lang="en-US" sz="1200" dirty="0"/>
-              <a:t>annotation to auto wire bean on the setter method, constructor or a field. Moreover, it can autowired property in a particular bean.</a:t>
-            </a:r>
+              <a:t> annotation collection and is packaged with Java EE.</a:t>
+            </a:r>
+            <a:endParaRPr lang="en-US" sz="1200" dirty="0"/>
           </a:p>
         </p:txBody>
       </p:sp>
@@ -4732,11 +4767,7 @@
             </a:r>
             <a:r>
               <a:rPr lang="en-US" sz="1200" dirty="0" smtClean="0"/>
-              <a:t>@Resource </a:t>
-            </a:r>
-            <a:r>
-              <a:rPr lang="en-US" sz="1200" dirty="0" smtClean="0"/>
-              <a:t>annotation</a:t>
+              <a:t>@Resource annotation</a:t>
             </a:r>
             <a:endParaRPr lang="en-US" sz="1200" dirty="0"/>
           </a:p>
@@ -5132,11 +5163,7 @@
             </a:r>
             <a:r>
               <a:rPr lang="en-US" sz="1200" dirty="0" smtClean="0"/>
-              <a:t>@Resource </a:t>
-            </a:r>
-            <a:r>
-              <a:rPr lang="en-US" sz="1200" dirty="0" smtClean="0"/>
-              <a:t>annotation</a:t>
+              <a:t>@Resource annotation</a:t>
             </a:r>
             <a:endParaRPr lang="en-US" sz="1200" dirty="0"/>
           </a:p>

--- a/Later/Spring/6_Spring_Auto_Component_Scanning/12/Spring Auto-Wiring Beans with @Resource annotation.pptx
+++ b/Later/Spring/6_Spring_Auto_Component_Scanning/12/Spring Auto-Wiring Beans with @Resource annotation.pptx
@@ -4190,13 +4190,8 @@
             </a:r>
             <a:r>
               <a:rPr lang="en-US" sz="1200" dirty="0" smtClean="0"/>
-              <a:t>name</a:t>
-            </a:r>
-            <a:r>
-              <a:rPr lang="en-US" sz="1200" dirty="0" smtClean="0"/>
-              <a:t>.</a:t>
-            </a:r>
-            <a:endParaRPr lang="en-US" sz="1200" dirty="0" smtClean="0"/>
+              <a:t>name.</a:t>
+            </a:r>
           </a:p>
           <a:p>
             <a:pPr marL="171450" indent="-171450">
@@ -4287,7 +4282,6 @@
               <a:rPr lang="en-US" sz="1200" dirty="0"/>
               <a:t> annotation collection and is packaged with Java EE.</a:t>
             </a:r>
-            <a:endParaRPr lang="en-US" sz="1200" dirty="0"/>
           </a:p>
         </p:txBody>
       </p:sp>
@@ -4476,7 +4470,7 @@
         </p:blipFill>
         <p:spPr bwMode="auto">
           <a:xfrm>
-            <a:off x="327025" y="609600"/>
+            <a:off x="612775" y="1114425"/>
             <a:ext cx="5207000" cy="2695575"/>
           </a:xfrm>
           <a:prstGeom prst="rect">
@@ -4499,105 +4493,6 @@
           </a:fontRef>
         </p:style>
       </p:pic>
-      <p:sp>
-        <p:nvSpPr>
-          <p:cNvPr id="5" name="Rounded Rectangle 4"/>
-          <p:cNvSpPr/>
-          <p:nvPr/>
-        </p:nvSpPr>
-        <p:spPr>
-          <a:xfrm>
-            <a:off x="327025" y="3733800"/>
-            <a:ext cx="8512175" cy="1066800"/>
-          </a:xfrm>
-          <a:prstGeom prst="roundRect">
-            <a:avLst/>
-          </a:prstGeom>
-          <a:ln w="3175"/>
-        </p:spPr>
-        <p:style>
-          <a:lnRef idx="2">
-            <a:schemeClr val="accent4"/>
-          </a:lnRef>
-          <a:fillRef idx="1">
-            <a:schemeClr val="lt1"/>
-          </a:fillRef>
-          <a:effectRef idx="0">
-            <a:schemeClr val="accent4"/>
-          </a:effectRef>
-          <a:fontRef idx="minor">
-            <a:schemeClr val="dk1"/>
-          </a:fontRef>
-        </p:style>
-        <p:txBody>
-          <a:bodyPr rtlCol="0" anchor="ctr"/>
-          <a:lstStyle/>
-          <a:p>
-            <a:r>
-              <a:rPr lang="en-US" sz="1200" dirty="0"/>
-              <a:t>To enable </a:t>
-            </a:r>
-            <a:r>
-              <a:rPr lang="en-US" sz="1200" dirty="0" smtClean="0">
-                <a:solidFill>
-                  <a:srgbClr val="FF0000"/>
-                </a:solidFill>
-              </a:rPr>
-              <a:t>@Resource</a:t>
-            </a:r>
-            <a:r>
-              <a:rPr lang="en-US" sz="1200" dirty="0" smtClean="0"/>
-              <a:t>, </a:t>
-            </a:r>
-            <a:r>
-              <a:rPr lang="en-US" sz="1200" dirty="0"/>
-              <a:t>you have to register ‘</a:t>
-            </a:r>
-            <a:r>
-              <a:rPr lang="en-US" sz="1200" dirty="0">
-                <a:solidFill>
-                  <a:srgbClr val="FF0000"/>
-                </a:solidFill>
-              </a:rPr>
-              <a:t>AutowiredAnnotationBeanPostProcessor</a:t>
-            </a:r>
-            <a:r>
-              <a:rPr lang="en-US" sz="1200" dirty="0"/>
-              <a:t>‘, and you can do it in two </a:t>
-            </a:r>
-            <a:r>
-              <a:rPr lang="en-US" sz="1200" dirty="0" smtClean="0"/>
-              <a:t>ways.</a:t>
-            </a:r>
-          </a:p>
-          <a:p>
-            <a:endParaRPr lang="en-US" sz="1200" dirty="0"/>
-          </a:p>
-          <a:p>
-            <a:pPr marL="228600" indent="-228600">
-              <a:buFont typeface="+mj-lt"/>
-              <a:buAutoNum type="arabicPeriod"/>
-            </a:pPr>
-            <a:r>
-              <a:rPr lang="en-US" sz="1200" dirty="0"/>
-              <a:t>Include &lt;context:annotation-config /&gt;</a:t>
-            </a:r>
-          </a:p>
-          <a:p>
-            <a:pPr marL="228600" indent="-228600">
-              <a:buFont typeface="+mj-lt"/>
-              <a:buAutoNum type="arabicPeriod"/>
-            </a:pPr>
-            <a:r>
-              <a:rPr lang="en-US" sz="1200" dirty="0"/>
-              <a:t>Include AutowiredAnnotationBeanPostProcessor</a:t>
-            </a:r>
-          </a:p>
-          <a:p>
-            <a:endParaRPr lang="en-US" sz="1200" dirty="0"/>
-          </a:p>
-        </p:txBody>
-      </p:sp>
       <p:cxnSp>
         <p:nvCxnSpPr>
           <p:cNvPr id="7" name="Straight Arrow Connector 6"/>
@@ -4606,7 +4501,7 @@
         </p:nvCxnSpPr>
         <p:spPr>
           <a:xfrm flipH="1">
-            <a:off x="2819400" y="1676400"/>
+            <a:off x="3105150" y="2181225"/>
             <a:ext cx="422274" cy="76200"/>
           </a:xfrm>
           <a:prstGeom prst="straightConnector1">

--- a/Later/Spring/6_Spring_Auto_Component_Scanning/12/Spring Auto-Wiring Beans with @Resource annotation.pptx
+++ b/Later/Spring/6_Spring_Auto_Component_Scanning/12/Spring Auto-Wiring Beans with @Resource annotation.pptx
@@ -4169,11 +4169,11 @@
               <a:buChar char="ü"/>
             </a:pPr>
             <a:r>
-              <a:rPr lang="en-US" sz="1200" dirty="0"/>
+              <a:rPr lang="en-US" sz="1100" dirty="0"/>
               <a:t>The </a:t>
             </a:r>
             <a:r>
-              <a:rPr lang="en-US" sz="1200" dirty="0" smtClean="0">
+              <a:rPr lang="en-US" sz="1100" dirty="0" smtClean="0">
                 <a:solidFill>
                   <a:srgbClr val="FF0000"/>
                 </a:solidFill>
@@ -4181,15 +4181,15 @@
               <a:t>@Resource</a:t>
             </a:r>
             <a:r>
-              <a:rPr lang="en-US" sz="1200" dirty="0" smtClean="0"/>
+              <a:rPr lang="en-US" sz="1100" dirty="0" smtClean="0"/>
               <a:t> annotation </a:t>
             </a:r>
             <a:r>
-              <a:rPr lang="en-US" sz="1200" dirty="0"/>
+              <a:rPr lang="en-US" sz="1100" dirty="0"/>
               <a:t>is auto wire the bean by matching </a:t>
             </a:r>
             <a:r>
-              <a:rPr lang="en-US" sz="1200" dirty="0" smtClean="0"/>
+              <a:rPr lang="en-US" sz="1100" dirty="0" smtClean="0"/>
               <a:t>name.</a:t>
             </a:r>
           </a:p>
@@ -4198,7 +4198,7 @@
               <a:buFont typeface="Wingdings" pitchFamily="2" charset="2"/>
               <a:buChar char="ü"/>
             </a:pPr>
-            <a:endParaRPr lang="en-US" sz="1200" dirty="0"/>
+            <a:endParaRPr lang="en-US" sz="1100" dirty="0"/>
           </a:p>
           <a:p>
             <a:pPr marL="171450" indent="-171450">
@@ -4206,19 +4206,19 @@
               <a:buChar char="ü"/>
             </a:pPr>
             <a:r>
-              <a:rPr lang="en-US" sz="1200" dirty="0"/>
+              <a:rPr lang="en-US" sz="1100" dirty="0"/>
               <a:t> </a:t>
             </a:r>
             <a:r>
-              <a:rPr lang="en-US" sz="1200" dirty="0" smtClean="0"/>
+              <a:rPr lang="en-US" sz="1100" dirty="0" smtClean="0"/>
               <a:t>We can </a:t>
             </a:r>
             <a:r>
-              <a:rPr lang="en-US" sz="1200" dirty="0"/>
+              <a:rPr lang="en-US" sz="1100" dirty="0"/>
               <a:t>use </a:t>
             </a:r>
             <a:r>
-              <a:rPr lang="en-US" sz="1200" dirty="0" smtClean="0">
+              <a:rPr lang="en-US" sz="1100" dirty="0" smtClean="0">
                 <a:solidFill>
                   <a:srgbClr val="FF0000"/>
                 </a:solidFill>
@@ -4226,7 +4226,7 @@
               <a:t>@</a:t>
             </a:r>
             <a:r>
-              <a:rPr lang="en-US" sz="1200" dirty="0">
+              <a:rPr lang="en-US" sz="1100" dirty="0">
                 <a:solidFill>
                   <a:srgbClr val="FF0000"/>
                 </a:solidFill>
@@ -4234,20 +4234,45 @@
               <a:t>Resource </a:t>
             </a:r>
             <a:r>
-              <a:rPr lang="en-US" sz="1200" dirty="0"/>
+              <a:rPr lang="en-US" sz="1100" dirty="0"/>
               <a:t>annotation to auto wire bean on the setter method, constructor or a field. Moreover, it can autowired property in a particular bean</a:t>
             </a:r>
             <a:r>
-              <a:rPr lang="en-US" sz="1200" dirty="0" smtClean="0"/>
-              <a:t>.</a:t>
-            </a:r>
+              <a:rPr lang="en-US" sz="1100" dirty="0"/>
+              <a:t>. Here we have applied </a:t>
+            </a:r>
+            <a:r>
+              <a:rPr lang="en-US" sz="1100" dirty="0" smtClean="0">
+                <a:solidFill>
+                  <a:srgbClr val="FF0000"/>
+                </a:solidFill>
+              </a:rPr>
+              <a:t>@</a:t>
+            </a:r>
+            <a:r>
+              <a:rPr lang="en-US" sz="1100" dirty="0">
+                <a:solidFill>
+                  <a:srgbClr val="FF0000"/>
+                </a:solidFill>
+              </a:rPr>
+              <a:t> Resource </a:t>
+            </a:r>
+            <a:r>
+              <a:rPr lang="en-US" sz="1100" dirty="0" smtClean="0">
+                <a:solidFill>
+                  <a:schemeClr val="tx1"/>
+                </a:solidFill>
+              </a:rPr>
+              <a:t>in field.</a:t>
+            </a:r>
+            <a:endParaRPr lang="en-US" sz="1100" dirty="0" smtClean="0"/>
           </a:p>
           <a:p>
             <a:pPr marL="171450" indent="-171450">
               <a:buFont typeface="Wingdings" pitchFamily="2" charset="2"/>
               <a:buChar char="ü"/>
             </a:pPr>
-            <a:endParaRPr lang="en-US" sz="1200" dirty="0"/>
+            <a:endParaRPr lang="en-US" sz="1100" dirty="0" smtClean="0"/>
           </a:p>
           <a:p>
             <a:pPr marL="171450" indent="-171450">
@@ -4255,11 +4280,15 @@
               <a:buChar char="ü"/>
             </a:pPr>
             <a:r>
-              <a:rPr lang="en-US" sz="1200" dirty="0"/>
-              <a:t>The </a:t>
-            </a:r>
-            <a:r>
-              <a:rPr lang="en-US" sz="1200" i="1" dirty="0">
+              <a:rPr lang="en-US" sz="1100" dirty="0" smtClean="0"/>
+              <a:t>The</a:t>
+            </a:r>
+            <a:r>
+              <a:rPr lang="en-US" sz="1100" dirty="0"/>
+              <a:t> </a:t>
+            </a:r>
+            <a:r>
+              <a:rPr lang="en-US" sz="1100" i="1" dirty="0">
                 <a:solidFill>
                   <a:srgbClr val="FF0000"/>
                 </a:solidFill>
@@ -4267,11 +4296,11 @@
               <a:t>@Resource</a:t>
             </a:r>
             <a:r>
-              <a:rPr lang="en-US" sz="1200" dirty="0"/>
+              <a:rPr lang="en-US" sz="1100" dirty="0"/>
               <a:t> annotation is part of the </a:t>
             </a:r>
             <a:r>
-              <a:rPr lang="en-US" sz="1200" dirty="0">
+              <a:rPr lang="en-US" sz="1100" dirty="0">
                 <a:solidFill>
                   <a:srgbClr val="FF0000"/>
                 </a:solidFill>
@@ -4279,7 +4308,7 @@
               <a:t>JSR-250</a:t>
             </a:r>
             <a:r>
-              <a:rPr lang="en-US" sz="1200" dirty="0"/>
+              <a:rPr lang="en-US" sz="1100" dirty="0"/>
               <a:t> annotation collection and is packaged with Java EE.</a:t>
             </a:r>
           </a:p>

--- a/Later/Spring/6_Spring_Auto_Component_Scanning/12/Spring Auto-Wiring Beans with @Resource annotation.pptx
+++ b/Later/Spring/6_Spring_Auto_Component_Scanning/12/Spring Auto-Wiring Beans with @Resource annotation.pptx
@@ -194,7 +194,7 @@
           <a:p>
             <a:fld id="{62274EC6-3890-417B-9308-14EFBD00FA63}" type="datetimeFigureOut">
               <a:rPr lang="en-US" smtClean="0"/>
-              <a:t>3/30/2018</a:t>
+              <a:t>4/2/2018</a:t>
             </a:fld>
             <a:endParaRPr lang="en-US" dirty="0"/>
           </a:p>
@@ -911,7 +911,7 @@
             <a:fld id="{1D8BD707-D9CF-40AE-B4C6-C98DA3205C09}" type="datetimeFigureOut">
               <a:rPr lang="en-US" smtClean="0"/>
               <a:pPr/>
-              <a:t>3/30/2018</a:t>
+              <a:t>4/2/2018</a:t>
             </a:fld>
             <a:endParaRPr lang="en-US" dirty="0"/>
           </a:p>
@@ -1083,7 +1083,7 @@
             <a:fld id="{1D8BD707-D9CF-40AE-B4C6-C98DA3205C09}" type="datetimeFigureOut">
               <a:rPr lang="en-US" smtClean="0"/>
               <a:pPr/>
-              <a:t>3/30/2018</a:t>
+              <a:t>4/2/2018</a:t>
             </a:fld>
             <a:endParaRPr lang="en-US" dirty="0"/>
           </a:p>
@@ -1265,7 +1265,7 @@
             <a:fld id="{1D8BD707-D9CF-40AE-B4C6-C98DA3205C09}" type="datetimeFigureOut">
               <a:rPr lang="en-US" smtClean="0"/>
               <a:pPr/>
-              <a:t>3/30/2018</a:t>
+              <a:t>4/2/2018</a:t>
             </a:fld>
             <a:endParaRPr lang="en-US" dirty="0"/>
           </a:p>
@@ -1437,7 +1437,7 @@
             <a:fld id="{1D8BD707-D9CF-40AE-B4C6-C98DA3205C09}" type="datetimeFigureOut">
               <a:rPr lang="en-US" smtClean="0"/>
               <a:pPr/>
-              <a:t>3/30/2018</a:t>
+              <a:t>4/2/2018</a:t>
             </a:fld>
             <a:endParaRPr lang="en-US" dirty="0"/>
           </a:p>
@@ -1685,7 +1685,7 @@
             <a:fld id="{1D8BD707-D9CF-40AE-B4C6-C98DA3205C09}" type="datetimeFigureOut">
               <a:rPr lang="en-US" smtClean="0"/>
               <a:pPr/>
-              <a:t>3/30/2018</a:t>
+              <a:t>4/2/2018</a:t>
             </a:fld>
             <a:endParaRPr lang="en-US" dirty="0"/>
           </a:p>
@@ -1975,7 +1975,7 @@
             <a:fld id="{1D8BD707-D9CF-40AE-B4C6-C98DA3205C09}" type="datetimeFigureOut">
               <a:rPr lang="en-US" smtClean="0"/>
               <a:pPr/>
-              <a:t>3/30/2018</a:t>
+              <a:t>4/2/2018</a:t>
             </a:fld>
             <a:endParaRPr lang="en-US" dirty="0"/>
           </a:p>
@@ -2404,7 +2404,7 @@
             <a:fld id="{1D8BD707-D9CF-40AE-B4C6-C98DA3205C09}" type="datetimeFigureOut">
               <a:rPr lang="en-US" smtClean="0"/>
               <a:pPr/>
-              <a:t>3/30/2018</a:t>
+              <a:t>4/2/2018</a:t>
             </a:fld>
             <a:endParaRPr lang="en-US" dirty="0"/>
           </a:p>
@@ -2524,7 +2524,7 @@
             <a:fld id="{1D8BD707-D9CF-40AE-B4C6-C98DA3205C09}" type="datetimeFigureOut">
               <a:rPr lang="en-US" smtClean="0"/>
               <a:pPr/>
-              <a:t>3/30/2018</a:t>
+              <a:t>4/2/2018</a:t>
             </a:fld>
             <a:endParaRPr lang="en-US" dirty="0"/>
           </a:p>
@@ -2621,7 +2621,7 @@
             <a:fld id="{1D8BD707-D9CF-40AE-B4C6-C98DA3205C09}" type="datetimeFigureOut">
               <a:rPr lang="en-US" smtClean="0"/>
               <a:pPr/>
-              <a:t>3/30/2018</a:t>
+              <a:t>4/2/2018</a:t>
             </a:fld>
             <a:endParaRPr lang="en-US" dirty="0"/>
           </a:p>
@@ -2900,7 +2900,7 @@
             <a:fld id="{1D8BD707-D9CF-40AE-B4C6-C98DA3205C09}" type="datetimeFigureOut">
               <a:rPr lang="en-US" smtClean="0"/>
               <a:pPr/>
-              <a:t>3/30/2018</a:t>
+              <a:t>4/2/2018</a:t>
             </a:fld>
             <a:endParaRPr lang="en-US" dirty="0"/>
           </a:p>
@@ -3155,7 +3155,7 @@
             <a:fld id="{1D8BD707-D9CF-40AE-B4C6-C98DA3205C09}" type="datetimeFigureOut">
               <a:rPr lang="en-US" smtClean="0"/>
               <a:pPr/>
-              <a:t>3/30/2018</a:t>
+              <a:t>4/2/2018</a:t>
             </a:fld>
             <a:endParaRPr lang="en-US" dirty="0"/>
           </a:p>
@@ -3370,7 +3370,7 @@
             <a:fld id="{1D8BD707-D9CF-40AE-B4C6-C98DA3205C09}" type="datetimeFigureOut">
               <a:rPr lang="en-US" smtClean="0"/>
               <a:pPr/>
-              <a:t>3/30/2018</a:t>
+              <a:t>4/2/2018</a:t>
             </a:fld>
             <a:endParaRPr lang="en-US" dirty="0"/>
           </a:p>
@@ -4235,11 +4235,15 @@
             </a:r>
             <a:r>
               <a:rPr lang="en-US" sz="1100" dirty="0"/>
-              <a:t>annotation to auto wire bean on the setter method, constructor or a field. Moreover, it can autowired property in a particular bean</a:t>
+              <a:t>annotation to auto wire bean on the setter </a:t>
+            </a:r>
+            <a:r>
+              <a:rPr lang="en-US" sz="1100" dirty="0" smtClean="0"/>
+              <a:t>method or </a:t>
             </a:r>
             <a:r>
               <a:rPr lang="en-US" sz="1100" dirty="0"/>
-              <a:t>. Here we have applied </a:t>
+              <a:t>a field. Moreover, it can autowired property in a particular bean. Here we have applied </a:t>
             </a:r>
             <a:r>
               <a:rPr lang="en-US" sz="1100" dirty="0" smtClean="0">
